--- a/Parcial 2/01 Base de datos/04 Funciones de bases de datos/Funciones de bases de datos.pptx
+++ b/Parcial 2/01 Base de datos/04 Funciones de bases de datos/Funciones de bases de datos.pptx
@@ -299,7 +299,7 @@
           <a:p>
             <a:fld id="{E02C5AA3-80C7-465D-8421-6267736FAB70}" type="datetimeFigureOut">
               <a:rPr lang="es-MX" smtClean="0"/>
-              <a:t>21/03/2018</a:t>
+              <a:t>24/05/2018</a:t>
             </a:fld>
             <a:endParaRPr lang="es-MX"/>
           </a:p>
@@ -527,7 +527,7 @@
           <a:p>
             <a:fld id="{E02C5AA3-80C7-465D-8421-6267736FAB70}" type="datetimeFigureOut">
               <a:rPr lang="es-MX" smtClean="0"/>
-              <a:t>21/03/2018</a:t>
+              <a:t>24/05/2018</a:t>
             </a:fld>
             <a:endParaRPr lang="es-MX"/>
           </a:p>
@@ -707,7 +707,7 @@
           <a:p>
             <a:fld id="{E02C5AA3-80C7-465D-8421-6267736FAB70}" type="datetimeFigureOut">
               <a:rPr lang="es-MX" smtClean="0"/>
-              <a:t>21/03/2018</a:t>
+              <a:t>24/05/2018</a:t>
             </a:fld>
             <a:endParaRPr lang="es-MX"/>
           </a:p>
@@ -877,7 +877,7 @@
           <a:p>
             <a:fld id="{E02C5AA3-80C7-465D-8421-6267736FAB70}" type="datetimeFigureOut">
               <a:rPr lang="es-MX" smtClean="0"/>
-              <a:t>21/03/2018</a:t>
+              <a:t>24/05/2018</a:t>
             </a:fld>
             <a:endParaRPr lang="es-MX"/>
           </a:p>
@@ -1131,7 +1131,7 @@
           <a:p>
             <a:fld id="{E02C5AA3-80C7-465D-8421-6267736FAB70}" type="datetimeFigureOut">
               <a:rPr lang="es-MX" smtClean="0"/>
-              <a:t>21/03/2018</a:t>
+              <a:t>24/05/2018</a:t>
             </a:fld>
             <a:endParaRPr lang="es-MX"/>
           </a:p>
@@ -1457,7 +1457,7 @@
           <a:p>
             <a:fld id="{E02C5AA3-80C7-465D-8421-6267736FAB70}" type="datetimeFigureOut">
               <a:rPr lang="es-MX" smtClean="0"/>
-              <a:t>21/03/2018</a:t>
+              <a:t>24/05/2018</a:t>
             </a:fld>
             <a:endParaRPr lang="es-MX"/>
           </a:p>
@@ -1913,7 +1913,7 @@
           <a:p>
             <a:fld id="{E02C5AA3-80C7-465D-8421-6267736FAB70}" type="datetimeFigureOut">
               <a:rPr lang="es-MX" smtClean="0"/>
-              <a:t>21/03/2018</a:t>
+              <a:t>24/05/2018</a:t>
             </a:fld>
             <a:endParaRPr lang="es-MX"/>
           </a:p>
@@ -2036,7 +2036,7 @@
           <a:p>
             <a:fld id="{E02C5AA3-80C7-465D-8421-6267736FAB70}" type="datetimeFigureOut">
               <a:rPr lang="es-MX" smtClean="0"/>
-              <a:t>21/03/2018</a:t>
+              <a:t>24/05/2018</a:t>
             </a:fld>
             <a:endParaRPr lang="es-MX"/>
           </a:p>
@@ -2131,7 +2131,7 @@
           <a:p>
             <a:fld id="{E02C5AA3-80C7-465D-8421-6267736FAB70}" type="datetimeFigureOut">
               <a:rPr lang="es-MX" smtClean="0"/>
-              <a:t>21/03/2018</a:t>
+              <a:t>24/05/2018</a:t>
             </a:fld>
             <a:endParaRPr lang="es-MX"/>
           </a:p>
@@ -2418,7 +2418,7 @@
           <a:p>
             <a:fld id="{E02C5AA3-80C7-465D-8421-6267736FAB70}" type="datetimeFigureOut">
               <a:rPr lang="es-MX" smtClean="0"/>
-              <a:t>21/03/2018</a:t>
+              <a:t>24/05/2018</a:t>
             </a:fld>
             <a:endParaRPr lang="es-MX"/>
           </a:p>
@@ -2748,7 +2748,7 @@
           <a:p>
             <a:fld id="{E02C5AA3-80C7-465D-8421-6267736FAB70}" type="datetimeFigureOut">
               <a:rPr lang="es-MX" smtClean="0"/>
-              <a:t>21/03/2018</a:t>
+              <a:t>24/05/2018</a:t>
             </a:fld>
             <a:endParaRPr lang="es-MX"/>
           </a:p>
@@ -3002,7 +3002,7 @@
           <a:p>
             <a:fld id="{E02C5AA3-80C7-465D-8421-6267736FAB70}" type="datetimeFigureOut">
               <a:rPr lang="es-MX" smtClean="0"/>
-              <a:t>21/03/2018</a:t>
+              <a:t>24/05/2018</a:t>
             </a:fld>
             <a:endParaRPr lang="es-MX"/>
           </a:p>
@@ -7492,31 +7492,6 @@
           </a:extLst>
         </p:spPr>
       </p:pic>
-      <p:sp>
-        <p:nvSpPr>
-          <p:cNvPr id="5" name="Marcador de contenido 4">
-            <a:extLst>
-              <a:ext uri="{FF2B5EF4-FFF2-40B4-BE49-F238E27FC236}">
-                <a16:creationId xmlns:a16="http://schemas.microsoft.com/office/drawing/2014/main" id="{8AA69185-1ED9-4D71-BAA1-4E3FD02C5C25}"/>
-              </a:ext>
-            </a:extLst>
-          </p:cNvPr>
-          <p:cNvSpPr>
-            <a:spLocks noGrp="1"/>
-          </p:cNvSpPr>
-          <p:nvPr>
-            <p:ph idx="1"/>
-          </p:nvPr>
-        </p:nvSpPr>
-        <p:spPr/>
-        <p:txBody>
-          <a:bodyPr/>
-          <a:lstStyle/>
-          <a:p>
-            <a:endParaRPr lang="es-MX"/>
-          </a:p>
-        </p:txBody>
-      </p:sp>
     </p:spTree>
     <p:extLst>
       <p:ext uri="{BB962C8B-B14F-4D97-AF65-F5344CB8AC3E}">
@@ -8845,6 +8820,24 @@
 </file>
 
 <file path=customXml/item1.xml><?xml version="1.0" encoding="utf-8"?>
+<?mso-contentType ?>
+<FormTemplates xmlns="http://schemas.microsoft.com/sharepoint/v3/contenttype/forms">
+  <Display>DocumentLibraryForm</Display>
+  <Edit>DocumentLibraryForm</Edit>
+  <New>DocumentLibraryForm</New>
+</FormTemplates>
+</file>
+
+<file path=customXml/item2.xml><?xml version="1.0" encoding="utf-8"?>
+<p:properties xmlns:p="http://schemas.microsoft.com/office/2006/metadata/properties" xmlns:xsi="http://www.w3.org/2001/XMLSchema-instance" xmlns:pc="http://schemas.microsoft.com/office/infopath/2007/PartnerControls">
+  <documentManagement>
+    <Categor_x00ed_a xmlns="2E43770E-B229-4085-8B58-244942FF7FA5">EXPOSICIONES EQUIPOS</Categor_x00ed_a>
+    <Lista_x0020_de_x0020_Categor_x00ed_as xmlns="2E43770E-B229-4085-8B58-244942FF7FA5">14</Lista_x0020_de_x0020_Categor_x00ed_as>
+  </documentManagement>
+</p:properties>
+</file>
+
+<file path=customXml/item3.xml><?xml version="1.0" encoding="utf-8"?>
 <ct:contentTypeSchema xmlns:ct="http://schemas.microsoft.com/office/2006/metadata/contentType" xmlns:ma="http://schemas.microsoft.com/office/2006/metadata/properties/metaAttributes" ct:_="" ma:_="" ma:contentTypeName="Documento" ma:contentTypeID="0x0101007EB6E5F89FBC464799546B4F0B65D0AA" ma:contentTypeVersion="" ma:contentTypeDescription="Crear nuevo documento." ma:contentTypeScope="" ma:versionID="b800074e844820d05ed125700a6db46e">
   <xsd:schema xmlns:xsd="http://www.w3.org/2001/XMLSchema" xmlns:xs="http://www.w3.org/2001/XMLSchema" xmlns:p="http://schemas.microsoft.com/office/2006/metadata/properties" xmlns:ns2="2E43770E-B229-4085-8B58-244942FF7FA5" targetNamespace="http://schemas.microsoft.com/office/2006/metadata/properties" ma:root="true" ma:fieldsID="5f47a33b2079218dab11164950b190fa" ns2:_="">
     <xsd:import namespace="2E43770E-B229-4085-8B58-244942FF7FA5"/>
@@ -8978,38 +8971,10 @@
 </ct:contentTypeSchema>
 </file>
 
-<file path=customXml/item2.xml><?xml version="1.0" encoding="utf-8"?>
-<p:properties xmlns:p="http://schemas.microsoft.com/office/2006/metadata/properties" xmlns:xsi="http://www.w3.org/2001/XMLSchema-instance" xmlns:pc="http://schemas.microsoft.com/office/infopath/2007/PartnerControls">
-  <documentManagement>
-    <Categor_x00ed_a xmlns="2E43770E-B229-4085-8B58-244942FF7FA5">EXPOSICIONES EQUIPOS</Categor_x00ed_a>
-    <Lista_x0020_de_x0020_Categor_x00ed_as xmlns="2E43770E-B229-4085-8B58-244942FF7FA5">14</Lista_x0020_de_x0020_Categor_x00ed_as>
-  </documentManagement>
-</p:properties>
-</file>
-
-<file path=customXml/item3.xml><?xml version="1.0" encoding="utf-8"?>
-<?mso-contentType ?>
-<FormTemplates xmlns="http://schemas.microsoft.com/sharepoint/v3/contenttype/forms">
-  <Display>DocumentLibraryForm</Display>
-  <Edit>DocumentLibraryForm</Edit>
-  <New>DocumentLibraryForm</New>
-</FormTemplates>
-</file>
-
 <file path=customXml/itemProps1.xml><?xml version="1.0" encoding="utf-8"?>
-<ds:datastoreItem xmlns:ds="http://schemas.openxmlformats.org/officeDocument/2006/customXml" ds:itemID="{491F19DA-DBC8-4B96-BF2C-E1DCA623DED7}">
+<ds:datastoreItem xmlns:ds="http://schemas.openxmlformats.org/officeDocument/2006/customXml" ds:itemID="{619A5F9A-C009-470B-B30F-2519730076C3}">
   <ds:schemaRefs>
-    <ds:schemaRef ds:uri="http://schemas.microsoft.com/office/2006/metadata/contentType"/>
-    <ds:schemaRef ds:uri="http://schemas.microsoft.com/office/2006/metadata/properties/metaAttributes"/>
-    <ds:schemaRef ds:uri="http://www.w3.org/2001/XMLSchema"/>
-    <ds:schemaRef ds:uri="http://schemas.microsoft.com/office/2006/metadata/properties"/>
-    <ds:schemaRef ds:uri="2E43770E-B229-4085-8B58-244942FF7FA5"/>
-    <ds:schemaRef ds:uri="http://schemas.microsoft.com/office/2006/documentManagement/types"/>
-    <ds:schemaRef ds:uri="http://schemas.microsoft.com/office/infopath/2007/PartnerControls"/>
-    <ds:schemaRef ds:uri="http://schemas.openxmlformats.org/package/2006/metadata/core-properties"/>
-    <ds:schemaRef ds:uri="http://purl.org/dc/elements/1.1/"/>
-    <ds:schemaRef ds:uri="http://purl.org/dc/terms/"/>
-    <ds:schemaRef ds:uri="http://schemas.microsoft.com/internal/obd"/>
+    <ds:schemaRef ds:uri="http://schemas.microsoft.com/sharepoint/v3/contenttype/forms"/>
   </ds:schemaRefs>
 </ds:datastoreItem>
 </file>
@@ -9031,9 +8996,19 @@
 </file>
 
 <file path=customXml/itemProps3.xml><?xml version="1.0" encoding="utf-8"?>
-<ds:datastoreItem xmlns:ds="http://schemas.openxmlformats.org/officeDocument/2006/customXml" ds:itemID="{619A5F9A-C009-470B-B30F-2519730076C3}">
+<ds:datastoreItem xmlns:ds="http://schemas.openxmlformats.org/officeDocument/2006/customXml" ds:itemID="{491F19DA-DBC8-4B96-BF2C-E1DCA623DED7}">
   <ds:schemaRefs>
-    <ds:schemaRef ds:uri="http://schemas.microsoft.com/sharepoint/v3/contenttype/forms"/>
+    <ds:schemaRef ds:uri="http://schemas.microsoft.com/office/2006/metadata/contentType"/>
+    <ds:schemaRef ds:uri="http://schemas.microsoft.com/office/2006/metadata/properties/metaAttributes"/>
+    <ds:schemaRef ds:uri="http://www.w3.org/2001/XMLSchema"/>
+    <ds:schemaRef ds:uri="http://schemas.microsoft.com/office/2006/metadata/properties"/>
+    <ds:schemaRef ds:uri="2E43770E-B229-4085-8B58-244942FF7FA5"/>
+    <ds:schemaRef ds:uri="http://schemas.microsoft.com/office/2006/documentManagement/types"/>
+    <ds:schemaRef ds:uri="http://schemas.microsoft.com/office/infopath/2007/PartnerControls"/>
+    <ds:schemaRef ds:uri="http://schemas.openxmlformats.org/package/2006/metadata/core-properties"/>
+    <ds:schemaRef ds:uri="http://purl.org/dc/elements/1.1/"/>
+    <ds:schemaRef ds:uri="http://purl.org/dc/terms/"/>
+    <ds:schemaRef ds:uri="http://schemas.microsoft.com/internal/obd"/>
   </ds:schemaRefs>
 </ds:datastoreItem>
 </file>